--- a/Later/Spring/11_Spring_JDBC_Support/3/Spring + JdbcTemplate.pptx
+++ b/Later/Spring/11_Spring_JDBC_Support/3/Spring + JdbcTemplate.pptx
@@ -193,7 +193,7 @@
           <a:p>
             <a:fld id="{62274EC6-3890-417B-9308-14EFBD00FA63}" type="datetimeFigureOut">
               <a:rPr lang="en-US" smtClean="0"/>
-              <a:t>6/27/2018</a:t>
+              <a:t>6/28/2018</a:t>
             </a:fld>
             <a:endParaRPr lang="en-US" dirty="0"/>
           </a:p>
@@ -821,7 +821,7 @@
             <a:fld id="{1D8BD707-D9CF-40AE-B4C6-C98DA3205C09}" type="datetimeFigureOut">
               <a:rPr lang="en-US" smtClean="0"/>
               <a:pPr/>
-              <a:t>6/27/2018</a:t>
+              <a:t>6/28/2018</a:t>
             </a:fld>
             <a:endParaRPr lang="en-US" dirty="0"/>
           </a:p>
@@ -993,7 +993,7 @@
             <a:fld id="{1D8BD707-D9CF-40AE-B4C6-C98DA3205C09}" type="datetimeFigureOut">
               <a:rPr lang="en-US" smtClean="0"/>
               <a:pPr/>
-              <a:t>6/27/2018</a:t>
+              <a:t>6/28/2018</a:t>
             </a:fld>
             <a:endParaRPr lang="en-US" dirty="0"/>
           </a:p>
@@ -1175,7 +1175,7 @@
             <a:fld id="{1D8BD707-D9CF-40AE-B4C6-C98DA3205C09}" type="datetimeFigureOut">
               <a:rPr lang="en-US" smtClean="0"/>
               <a:pPr/>
-              <a:t>6/27/2018</a:t>
+              <a:t>6/28/2018</a:t>
             </a:fld>
             <a:endParaRPr lang="en-US" dirty="0"/>
           </a:p>
@@ -1347,7 +1347,7 @@
             <a:fld id="{1D8BD707-D9CF-40AE-B4C6-C98DA3205C09}" type="datetimeFigureOut">
               <a:rPr lang="en-US" smtClean="0"/>
               <a:pPr/>
-              <a:t>6/27/2018</a:t>
+              <a:t>6/28/2018</a:t>
             </a:fld>
             <a:endParaRPr lang="en-US" dirty="0"/>
           </a:p>
@@ -1595,7 +1595,7 @@
             <a:fld id="{1D8BD707-D9CF-40AE-B4C6-C98DA3205C09}" type="datetimeFigureOut">
               <a:rPr lang="en-US" smtClean="0"/>
               <a:pPr/>
-              <a:t>6/27/2018</a:t>
+              <a:t>6/28/2018</a:t>
             </a:fld>
             <a:endParaRPr lang="en-US" dirty="0"/>
           </a:p>
@@ -1885,7 +1885,7 @@
             <a:fld id="{1D8BD707-D9CF-40AE-B4C6-C98DA3205C09}" type="datetimeFigureOut">
               <a:rPr lang="en-US" smtClean="0"/>
               <a:pPr/>
-              <a:t>6/27/2018</a:t>
+              <a:t>6/28/2018</a:t>
             </a:fld>
             <a:endParaRPr lang="en-US" dirty="0"/>
           </a:p>
@@ -2314,7 +2314,7 @@
             <a:fld id="{1D8BD707-D9CF-40AE-B4C6-C98DA3205C09}" type="datetimeFigureOut">
               <a:rPr lang="en-US" smtClean="0"/>
               <a:pPr/>
-              <a:t>6/27/2018</a:t>
+              <a:t>6/28/2018</a:t>
             </a:fld>
             <a:endParaRPr lang="en-US" dirty="0"/>
           </a:p>
@@ -2434,7 +2434,7 @@
             <a:fld id="{1D8BD707-D9CF-40AE-B4C6-C98DA3205C09}" type="datetimeFigureOut">
               <a:rPr lang="en-US" smtClean="0"/>
               <a:pPr/>
-              <a:t>6/27/2018</a:t>
+              <a:t>6/28/2018</a:t>
             </a:fld>
             <a:endParaRPr lang="en-US" dirty="0"/>
           </a:p>
@@ -2531,7 +2531,7 @@
             <a:fld id="{1D8BD707-D9CF-40AE-B4C6-C98DA3205C09}" type="datetimeFigureOut">
               <a:rPr lang="en-US" smtClean="0"/>
               <a:pPr/>
-              <a:t>6/27/2018</a:t>
+              <a:t>6/28/2018</a:t>
             </a:fld>
             <a:endParaRPr lang="en-US" dirty="0"/>
           </a:p>
@@ -2810,7 +2810,7 @@
             <a:fld id="{1D8BD707-D9CF-40AE-B4C6-C98DA3205C09}" type="datetimeFigureOut">
               <a:rPr lang="en-US" smtClean="0"/>
               <a:pPr/>
-              <a:t>6/27/2018</a:t>
+              <a:t>6/28/2018</a:t>
             </a:fld>
             <a:endParaRPr lang="en-US" dirty="0"/>
           </a:p>
@@ -3065,7 +3065,7 @@
             <a:fld id="{1D8BD707-D9CF-40AE-B4C6-C98DA3205C09}" type="datetimeFigureOut">
               <a:rPr lang="en-US" smtClean="0"/>
               <a:pPr/>
-              <a:t>6/27/2018</a:t>
+              <a:t>6/28/2018</a:t>
             </a:fld>
             <a:endParaRPr lang="en-US" dirty="0"/>
           </a:p>
@@ -3280,7 +3280,7 @@
             <a:fld id="{1D8BD707-D9CF-40AE-B4C6-C98DA3205C09}" type="datetimeFigureOut">
               <a:rPr lang="en-US" smtClean="0"/>
               <a:pPr/>
-              <a:t>6/27/2018</a:t>
+              <a:t>6/28/2018</a:t>
             </a:fld>
             <a:endParaRPr lang="en-US" dirty="0"/>
           </a:p>
@@ -4038,6 +4038,226 @@
           </a:extLst>
         </p:spPr>
       </p:pic>
+      <p:sp>
+        <p:nvSpPr>
+          <p:cNvPr id="5" name="Right Arrow 4"/>
+          <p:cNvSpPr/>
+          <p:nvPr/>
+        </p:nvSpPr>
+        <p:spPr>
+          <a:xfrm>
+            <a:off x="3962400" y="2209800"/>
+            <a:ext cx="838200" cy="381000"/>
+          </a:xfrm>
+          <a:prstGeom prst="rightArrow">
+            <a:avLst/>
+          </a:prstGeom>
+        </p:spPr>
+        <p:style>
+          <a:lnRef idx="1">
+            <a:schemeClr val="accent2"/>
+          </a:lnRef>
+          <a:fillRef idx="2">
+            <a:schemeClr val="accent2"/>
+          </a:fillRef>
+          <a:effectRef idx="1">
+            <a:schemeClr val="accent2"/>
+          </a:effectRef>
+          <a:fontRef idx="minor">
+            <a:schemeClr val="dk1"/>
+          </a:fontRef>
+        </p:style>
+        <p:txBody>
+          <a:bodyPr rtlCol="0" anchor="ctr"/>
+          <a:lstStyle/>
+          <a:p>
+            <a:pPr algn="ctr"/>
+            <a:endParaRPr lang="en-US"/>
+          </a:p>
+        </p:txBody>
+      </p:sp>
+      <p:pic>
+        <p:nvPicPr>
+          <p:cNvPr id="6" name="Picture 2"/>
+          <p:cNvPicPr>
+            <a:picLocks noChangeAspect="1" noChangeArrowheads="1"/>
+          </p:cNvPicPr>
+          <p:nvPr/>
+        </p:nvPicPr>
+        <p:blipFill>
+          <a:blip r:embed="rId5">
+            <a:extLst>
+              <a:ext uri="{28A0092B-C50C-407E-A947-70E740481C1C}">
+                <a14:useLocalDpi xmlns:a14="http://schemas.microsoft.com/office/drawing/2010/main" val="0"/>
+              </a:ext>
+            </a:extLst>
+          </a:blip>
+          <a:srcRect/>
+          <a:stretch>
+            <a:fillRect/>
+          </a:stretch>
+        </p:blipFill>
+        <p:spPr bwMode="auto">
+          <a:xfrm>
+            <a:off x="4876800" y="1057273"/>
+            <a:ext cx="4114800" cy="2552984"/>
+          </a:xfrm>
+          <a:prstGeom prst="rect">
+            <a:avLst/>
+          </a:prstGeom>
+          <a:noFill/>
+          <a:ln>
+            <a:noFill/>
+          </a:ln>
+          <a:effectLst/>
+          <a:extLst>
+            <a:ext uri="{909E8E84-426E-40DD-AFC4-6F175D3DCCD1}">
+              <a14:hiddenFill xmlns:a14="http://schemas.microsoft.com/office/drawing/2010/main">
+                <a:solidFill>
+                  <a:schemeClr val="accent1"/>
+                </a:solidFill>
+              </a14:hiddenFill>
+            </a:ext>
+            <a:ext uri="{91240B29-F687-4F45-9708-019B960494DF}">
+              <a14:hiddenLine xmlns:a14="http://schemas.microsoft.com/office/drawing/2010/main" w="9525">
+                <a:solidFill>
+                  <a:schemeClr val="tx1"/>
+                </a:solidFill>
+                <a:miter lim="800000"/>
+                <a:headEnd/>
+                <a:tailEnd/>
+              </a14:hiddenLine>
+            </a:ext>
+            <a:ext uri="{AF507438-7753-43E0-B8FC-AC1667EBCBE1}">
+              <a14:hiddenEffects xmlns:a14="http://schemas.microsoft.com/office/drawing/2010/main">
+                <a:effectLst>
+                  <a:outerShdw dist="35921" dir="2700000" algn="ctr" rotWithShape="0">
+                    <a:schemeClr val="bg2"/>
+                  </a:outerShdw>
+                </a:effectLst>
+              </a14:hiddenEffects>
+            </a:ext>
+          </a:extLst>
+        </p:spPr>
+      </p:pic>
+      <p:sp>
+        <p:nvSpPr>
+          <p:cNvPr id="7" name="Rectangular Callout 6"/>
+          <p:cNvSpPr/>
+          <p:nvPr/>
+        </p:nvSpPr>
+        <p:spPr>
+          <a:xfrm>
+            <a:off x="2095500" y="3509338"/>
+            <a:ext cx="2705100" cy="1142999"/>
+          </a:xfrm>
+          <a:prstGeom prst="wedgeRectCallout">
+            <a:avLst>
+              <a:gd name="adj1" fmla="val -55431"/>
+              <a:gd name="adj2" fmla="val -103806"/>
+            </a:avLst>
+          </a:prstGeom>
+          <a:ln w="3175"/>
+        </p:spPr>
+        <p:style>
+          <a:lnRef idx="2">
+            <a:schemeClr val="accent4"/>
+          </a:lnRef>
+          <a:fillRef idx="1">
+            <a:schemeClr val="lt1"/>
+          </a:fillRef>
+          <a:effectRef idx="0">
+            <a:schemeClr val="accent4"/>
+          </a:effectRef>
+          <a:fontRef idx="minor">
+            <a:schemeClr val="dk1"/>
+          </a:fontRef>
+        </p:style>
+        <p:txBody>
+          <a:bodyPr rtlCol="0" anchor="ctr"/>
+          <a:lstStyle/>
+          <a:p>
+            <a:r>
+              <a:rPr lang="en-US" sz="1000" dirty="0" smtClean="0"/>
+              <a:t>Without </a:t>
+            </a:r>
+            <a:r>
+              <a:rPr lang="en-US" sz="1000" dirty="0"/>
+              <a:t>JdbcTemplate, </a:t>
+            </a:r>
+            <a:r>
+              <a:rPr lang="en-US" sz="1000" dirty="0" smtClean="0"/>
+              <a:t>we </a:t>
+            </a:r>
+            <a:r>
+              <a:rPr lang="en-US" sz="1000" dirty="0"/>
+              <a:t>have to create many redundant codes (create connection , close connection , handle exception) in all the DAO database operation methods – insert, update and delete. It </a:t>
+            </a:r>
+            <a:r>
+              <a:rPr lang="en-US" sz="1000" dirty="0" smtClean="0"/>
+              <a:t>not </a:t>
+            </a:r>
+            <a:r>
+              <a:rPr lang="en-US" sz="1000" dirty="0"/>
+              <a:t>efficient, ugly, error prone and tedious.</a:t>
+            </a:r>
+            <a:endParaRPr lang="en-US" sz="1000" dirty="0"/>
+          </a:p>
+        </p:txBody>
+      </p:sp>
+      <p:sp>
+        <p:nvSpPr>
+          <p:cNvPr id="11" name="Rectangular Callout 10"/>
+          <p:cNvSpPr/>
+          <p:nvPr/>
+        </p:nvSpPr>
+        <p:spPr>
+          <a:xfrm>
+            <a:off x="6019800" y="3837327"/>
+            <a:ext cx="2705100" cy="658473"/>
+          </a:xfrm>
+          <a:prstGeom prst="wedgeRectCallout">
+            <a:avLst>
+              <a:gd name="adj1" fmla="val -32543"/>
+              <a:gd name="adj2" fmla="val -105897"/>
+            </a:avLst>
+          </a:prstGeom>
+          <a:ln w="3175"/>
+        </p:spPr>
+        <p:style>
+          <a:lnRef idx="2">
+            <a:schemeClr val="accent4"/>
+          </a:lnRef>
+          <a:fillRef idx="1">
+            <a:schemeClr val="lt1"/>
+          </a:fillRef>
+          <a:effectRef idx="0">
+            <a:schemeClr val="accent4"/>
+          </a:effectRef>
+          <a:fontRef idx="minor">
+            <a:schemeClr val="dk1"/>
+          </a:fontRef>
+        </p:style>
+        <p:txBody>
+          <a:bodyPr rtlCol="0" anchor="ctr"/>
+          <a:lstStyle/>
+          <a:p>
+            <a:r>
+              <a:rPr lang="en-US" sz="1000" dirty="0"/>
+              <a:t>With JdbcTemplate, you save a lot of typing on the redundant codes, </a:t>
+            </a:r>
+            <a:r>
+              <a:rPr lang="en-US" sz="1000" dirty="0" smtClean="0"/>
+              <a:t>because </a:t>
+            </a:r>
+            <a:r>
+              <a:rPr lang="en-US" sz="1000" dirty="0"/>
+              <a:t>JdbcTemplate will handle it automatically.</a:t>
+            </a:r>
+            <a:endParaRPr lang="en-US" sz="1000" dirty="0"/>
+          </a:p>
+        </p:txBody>
+      </p:sp>
     </p:spTree>
     <p:extLst>
       <p:ext uri="{BB962C8B-B14F-4D97-AF65-F5344CB8AC3E}">
